--- a/答辩.pptx
+++ b/答辩.pptx
@@ -4830,16 +4830,7 @@
                 </a:solidFill>
                 <a:latin typeface="+mn-ea"/>
               </a:rPr>
-              <a:t>Part </a:t>
-            </a:r>
-            <a:r>
-              <a:rPr lang="en-US" altLang="zh-CN" sz="2400" b="1" dirty="0" smtClean="0">
-                <a:solidFill>
-                  <a:srgbClr val="92D050"/>
-                </a:solidFill>
-                <a:latin typeface="+mn-ea"/>
-              </a:rPr>
-              <a:t>4</a:t>
+              <a:t>Part 4</a:t>
             </a:r>
             <a:endParaRPr lang="zh-CN" altLang="en-US" sz="2400" b="1" dirty="0">
               <a:solidFill>
@@ -5659,16 +5650,7 @@
                   </a:solidFill>
                   <a:latin typeface="+mn-ea"/>
                 </a:rPr>
-                <a:t>观察不同</a:t>
-              </a:r>
-              <a:r>
-                <a:rPr lang="zh-CN" altLang="en-US" sz="2000" dirty="0" smtClean="0">
-                  <a:solidFill>
-                    <a:schemeClr val="bg1"/>
-                  </a:solidFill>
-                  <a:latin typeface="+mn-ea"/>
-                </a:rPr>
-                <a:t>滤波器对仿真信号的滤</a:t>
+                <a:t>观察不同滤波器对仿真信号的滤</a:t>
               </a:r>
               <a:endParaRPr lang="en-US" altLang="zh-CN" sz="2000" dirty="0" smtClean="0">
                 <a:solidFill>
@@ -6199,16 +6181,7 @@
                 </a:solidFill>
                 <a:latin typeface="+mn-ea"/>
               </a:rPr>
-              <a:t>Part </a:t>
-            </a:r>
-            <a:r>
-              <a:rPr lang="en-US" altLang="zh-CN" sz="2400" b="1" dirty="0" smtClean="0">
-                <a:solidFill>
-                  <a:srgbClr val="92D050"/>
-                </a:solidFill>
-                <a:latin typeface="+mn-ea"/>
-              </a:rPr>
-              <a:t>4</a:t>
+              <a:t>Part 4</a:t>
             </a:r>
             <a:endParaRPr lang="zh-CN" altLang="en-US" sz="2400" b="1" dirty="0">
               <a:solidFill>
@@ -7214,16 +7187,7 @@
                 </a:solidFill>
                 <a:latin typeface="+mn-ea"/>
               </a:rPr>
-              <a:t>Part </a:t>
-            </a:r>
-            <a:r>
-              <a:rPr lang="en-US" altLang="zh-CN" sz="2400" b="1" dirty="0" smtClean="0">
-                <a:solidFill>
-                  <a:srgbClr val="92D050"/>
-                </a:solidFill>
-                <a:latin typeface="+mn-ea"/>
-              </a:rPr>
-              <a:t>4</a:t>
+              <a:t>Part 4</a:t>
             </a:r>
             <a:endParaRPr lang="zh-CN" altLang="en-US" sz="2400" b="1" dirty="0">
               <a:solidFill>
@@ -8220,16 +8184,7 @@
                 </a:solidFill>
                 <a:latin typeface="+mn-ea"/>
               </a:rPr>
-              <a:t>Part </a:t>
-            </a:r>
-            <a:r>
-              <a:rPr lang="en-US" altLang="zh-CN" sz="2400" b="1" dirty="0" smtClean="0">
-                <a:solidFill>
-                  <a:srgbClr val="92D050"/>
-                </a:solidFill>
-                <a:latin typeface="+mn-ea"/>
-              </a:rPr>
-              <a:t>4</a:t>
+              <a:t>Part 4</a:t>
             </a:r>
             <a:endParaRPr lang="zh-CN" altLang="en-US" sz="2400" b="1" dirty="0">
               <a:solidFill>
@@ -9283,16 +9238,7 @@
                 </a:solidFill>
                 <a:latin typeface="+mn-ea"/>
               </a:rPr>
-              <a:t>Part </a:t>
-            </a:r>
-            <a:r>
-              <a:rPr lang="en-US" altLang="zh-CN" sz="2400" b="1" dirty="0" smtClean="0">
-                <a:solidFill>
-                  <a:srgbClr val="92D050"/>
-                </a:solidFill>
-                <a:latin typeface="+mn-ea"/>
-              </a:rPr>
-              <a:t>4</a:t>
+              <a:t>Part 4</a:t>
             </a:r>
             <a:endParaRPr lang="zh-CN" altLang="en-US" sz="2400" b="1" dirty="0">
               <a:solidFill>
@@ -11900,16 +11846,7 @@
                 </a:solidFill>
                 <a:latin typeface="+mn-ea"/>
               </a:rPr>
-              <a:t>Part </a:t>
-            </a:r>
-            <a:r>
-              <a:rPr lang="en-US" altLang="zh-CN" sz="2400" b="1" dirty="0" smtClean="0">
-                <a:solidFill>
-                  <a:srgbClr val="92D050"/>
-                </a:solidFill>
-                <a:latin typeface="+mn-ea"/>
-              </a:rPr>
-              <a:t>4</a:t>
+              <a:t>Part 4</a:t>
             </a:r>
             <a:endParaRPr lang="zh-CN" altLang="en-US" sz="2400" b="1" dirty="0">
               <a:solidFill>
@@ -12222,19 +12159,7 @@
                 <a:latin typeface="微软雅黑" panose="020B0503020204020204" pitchFamily="34" charset="-122"/>
                 <a:ea typeface="微软雅黑" panose="020B0503020204020204" pitchFamily="34" charset="-122"/>
               </a:rPr>
-              <a:t>实验</a:t>
-            </a:r>
-            <a:r>
-              <a:rPr lang="zh-CN" altLang="en-US" sz="2400" dirty="0" smtClean="0">
-                <a:solidFill>
-                  <a:schemeClr val="bg1">
-                    <a:lumMod val="95000"/>
-                  </a:schemeClr>
-                </a:solidFill>
-                <a:latin typeface="微软雅黑" panose="020B0503020204020204" pitchFamily="34" charset="-122"/>
-                <a:ea typeface="微软雅黑" panose="020B0503020204020204" pitchFamily="34" charset="-122"/>
-              </a:rPr>
-              <a:t>结论</a:t>
+              <a:t>实验结论</a:t>
             </a:r>
             <a:endParaRPr lang="zh-CN" altLang="en-US" sz="2400" dirty="0">
               <a:solidFill>
@@ -13182,16 +13107,7 @@
                 </a:solidFill>
                 <a:latin typeface="+mn-ea"/>
               </a:rPr>
-              <a:t>Part </a:t>
-            </a:r>
-            <a:r>
-              <a:rPr lang="en-US" altLang="zh-CN" sz="2400" b="1" dirty="0" smtClean="0">
-                <a:solidFill>
-                  <a:srgbClr val="92D050"/>
-                </a:solidFill>
-                <a:latin typeface="+mn-ea"/>
-              </a:rPr>
-              <a:t>4</a:t>
+              <a:t>Part 4</a:t>
             </a:r>
             <a:endParaRPr lang="zh-CN" altLang="en-US" sz="2400" b="1" dirty="0">
               <a:solidFill>
@@ -14401,12 +14317,6 @@
                 </a:rPr>
                 <a:t>研究参数自适应的混合滤波器</a:t>
               </a:r>
-              <a:endParaRPr lang="zh-CN" altLang="en-US" sz="2000" dirty="0">
-                <a:solidFill>
-                  <a:schemeClr val="bg1"/>
-                </a:solidFill>
-                <a:latin typeface="+mn-ea"/>
-              </a:endParaRPr>
             </a:p>
           </p:txBody>
         </p:sp>
@@ -14532,17 +14442,7 @@
                 <a:latin typeface="微软雅黑" panose="020B0503020204020204" pitchFamily="34" charset="-122"/>
                 <a:ea typeface="微软雅黑" panose="020B0503020204020204" pitchFamily="34" charset="-122"/>
               </a:rPr>
-              <a:t>感</a:t>
-            </a:r>
-            <a:r>
-              <a:rPr lang="zh-CN" altLang="en-US" sz="2400" dirty="0" smtClean="0">
-                <a:solidFill>
-                  <a:srgbClr val="C8C7C7"/>
-                </a:solidFill>
-                <a:latin typeface="微软雅黑" panose="020B0503020204020204" pitchFamily="34" charset="-122"/>
-                <a:ea typeface="微软雅黑" panose="020B0503020204020204" pitchFamily="34" charset="-122"/>
-              </a:rPr>
-              <a:t>谢徐老师以及其他老师、同学给予的无私帮助！</a:t>
+              <a:t>感谢徐老师以及其他老师、同学给予的无私帮助！</a:t>
             </a:r>
             <a:endParaRPr lang="zh-CN" altLang="en-US" sz="2400" dirty="0">
               <a:solidFill>
@@ -16439,9 +16339,9 @@
         <p:grpSpPr>
           <a:xfrm>
             <a:off x="1267326" y="2366235"/>
-            <a:ext cx="5987974" cy="400110"/>
+            <a:ext cx="7655097" cy="400110"/>
             <a:chOff x="1267326" y="2135841"/>
-            <a:chExt cx="5987974" cy="400110"/>
+            <a:chExt cx="7655097" cy="400110"/>
           </a:xfrm>
         </p:grpSpPr>
         <p:sp>
@@ -16493,7 +16393,7 @@
           <p:spPr>
             <a:xfrm>
               <a:off x="1684544" y="2135841"/>
-              <a:ext cx="5570756" cy="400110"/>
+              <a:ext cx="7237879" cy="400110"/>
             </a:xfrm>
             <a:prstGeom prst="rect">
               <a:avLst/>
@@ -16513,7 +16413,34 @@
                   </a:solidFill>
                   <a:latin typeface="+mn-ea"/>
                 </a:rPr>
-                <a:t>基于多重升压斩波电路输入电流的开路故障检测</a:t>
+                <a:t>基于多重升压斩波电路输入电流的开路</a:t>
+              </a:r>
+              <a:r>
+                <a:rPr lang="zh-CN" altLang="en-US" sz="2000" dirty="0" smtClean="0">
+                  <a:solidFill>
+                    <a:schemeClr val="bg1"/>
+                  </a:solidFill>
+                  <a:latin typeface="+mn-ea"/>
+                </a:rPr>
+                <a:t>故障检测</a:t>
+              </a:r>
+              <a:r>
+                <a:rPr lang="en-US" altLang="zh-CN" sz="2000" dirty="0" smtClean="0">
+                  <a:solidFill>
+                    <a:schemeClr val="bg1"/>
+                  </a:solidFill>
+                  <a:latin typeface="+mn-ea"/>
+                </a:rPr>
+                <a:t>,</a:t>
+              </a:r>
+              <a:r>
+                <a:rPr lang="zh-CN" altLang="en-US" sz="2000" dirty="0" smtClean="0">
+                  <a:solidFill>
+                    <a:schemeClr val="bg1"/>
+                  </a:solidFill>
+                  <a:latin typeface="+mn-ea"/>
+                </a:rPr>
+                <a:t>定位故障支路</a:t>
               </a:r>
               <a:endParaRPr lang="zh-CN" altLang="en-US" sz="2000" dirty="0">
                 <a:solidFill>
@@ -17656,7 +17583,7 @@
           <a:graphicData uri="http://schemas.openxmlformats.org/presentationml/2006/ole">
             <mc:AlternateContent xmlns:mc="http://schemas.openxmlformats.org/markup-compatibility/2006">
               <mc:Choice xmlns:v="urn:schemas-microsoft-com:vml" Requires="v">
-                <p:oleObj spid="_x0000_s1049" r:id="rId3" imgW="8115416" imgH="2886036" progId="Visio.Drawing.15">
+                <p:oleObj spid="_x0000_s1055" r:id="rId3" imgW="8115416" imgH="2886036" progId="Visio.Drawing.15">
                   <p:embed/>
                 </p:oleObj>
               </mc:Choice>
@@ -17732,7 +17659,7 @@
           <a:graphicData uri="http://schemas.openxmlformats.org/presentationml/2006/ole">
             <mc:AlternateContent xmlns:mc="http://schemas.openxmlformats.org/markup-compatibility/2006">
               <mc:Choice xmlns:v="urn:schemas-microsoft-com:vml" Requires="v">
-                <p:oleObj spid="_x0000_s1050" r:id="rId5" imgW="6353307" imgH="2305153" progId="Visio.Drawing.15">
+                <p:oleObj spid="_x0000_s1056" r:id="rId5" imgW="6353307" imgH="2305153" progId="Visio.Drawing.15">
                   <p:embed/>
                 </p:oleObj>
               </mc:Choice>
@@ -18968,7 +18895,7 @@
           <a:graphicData uri="http://schemas.openxmlformats.org/presentationml/2006/ole">
             <mc:AlternateContent xmlns:mc="http://schemas.openxmlformats.org/markup-compatibility/2006">
               <mc:Choice xmlns:v="urn:schemas-microsoft-com:vml" Requires="v">
-                <p:oleObj spid="_x0000_s2075" r:id="rId3" imgW="4248221" imgH="3095522" progId="Visio.Drawing.15">
+                <p:oleObj spid="_x0000_s2081" r:id="rId3" imgW="4248221" imgH="3095522" progId="Visio.Drawing.15">
                   <p:embed/>
                 </p:oleObj>
               </mc:Choice>
@@ -19098,7 +19025,7 @@
           <a:graphicData uri="http://schemas.openxmlformats.org/presentationml/2006/ole">
             <mc:AlternateContent xmlns:mc="http://schemas.openxmlformats.org/markup-compatibility/2006">
               <mc:Choice xmlns:v="urn:schemas-microsoft-com:vml" Requires="v">
-                <p:oleObj spid="_x0000_s2076" r:id="rId5" imgW="4124360" imgH="4057534" progId="Visio.Drawing.15">
+                <p:oleObj spid="_x0000_s2082" r:id="rId5" imgW="4124360" imgH="4057534" progId="Visio.Drawing.15">
                   <p:embed/>
                 </p:oleObj>
               </mc:Choice>
@@ -25180,7 +25107,7 @@
           <a:graphicData uri="http://schemas.openxmlformats.org/presentationml/2006/ole">
             <mc:AlternateContent xmlns:mc="http://schemas.openxmlformats.org/markup-compatibility/2006">
               <mc:Choice xmlns:v="urn:schemas-microsoft-com:vml" Requires="v">
-                <p:oleObj spid="_x0000_s3101" name="Equation" r:id="rId4" imgW="2070100" imgH="558800" progId="Equation.DSMT4">
+                <p:oleObj spid="_x0000_s3113" name="Equation" r:id="rId4" imgW="2070100" imgH="558800" progId="Equation.DSMT4">
                   <p:embed/>
                 </p:oleObj>
               </mc:Choice>
@@ -25247,7 +25174,7 @@
           <a:graphicData uri="http://schemas.openxmlformats.org/presentationml/2006/ole">
             <mc:AlternateContent xmlns:mc="http://schemas.openxmlformats.org/markup-compatibility/2006">
               <mc:Choice xmlns:v="urn:schemas-microsoft-com:vml" Requires="v">
-                <p:oleObj spid="_x0000_s3102" name="Equation" r:id="rId6" imgW="165028" imgH="228501" progId="Equation.DSMT4">
+                <p:oleObj spid="_x0000_s3114" name="Equation" r:id="rId6" imgW="165028" imgH="228501" progId="Equation.DSMT4">
                   <p:embed/>
                 </p:oleObj>
               </mc:Choice>
@@ -25344,7 +25271,7 @@
           <a:graphicData uri="http://schemas.openxmlformats.org/presentationml/2006/ole">
             <mc:AlternateContent xmlns:mc="http://schemas.openxmlformats.org/markup-compatibility/2006">
               <mc:Choice xmlns:v="urn:schemas-microsoft-com:vml" Requires="v">
-                <p:oleObj spid="_x0000_s3103" name="Equation" r:id="rId8" imgW="342751" imgH="241195" progId="Equation.DSMT4">
+                <p:oleObj spid="_x0000_s3115" name="Equation" r:id="rId8" imgW="342751" imgH="241195" progId="Equation.DSMT4">
                   <p:embed/>
                 </p:oleObj>
               </mc:Choice>
@@ -25504,7 +25431,7 @@
           <a:graphicData uri="http://schemas.openxmlformats.org/presentationml/2006/ole">
             <mc:AlternateContent xmlns:mc="http://schemas.openxmlformats.org/markup-compatibility/2006">
               <mc:Choice xmlns:v="urn:schemas-microsoft-com:vml" Requires="v">
-                <p:oleObj spid="_x0000_s3104" name="Equation" r:id="rId10" imgW="406224" imgH="241195" progId="Equation.DSMT4">
+                <p:oleObj spid="_x0000_s3116" name="Equation" r:id="rId10" imgW="406224" imgH="241195" progId="Equation.DSMT4">
                   <p:embed/>
                 </p:oleObj>
               </mc:Choice>
@@ -25761,12 +25688,6 @@
               </a:rPr>
               <a:t>原始实验电路信号</a:t>
             </a:r>
-            <a:endParaRPr lang="zh-CN" altLang="en-US" sz="1200" dirty="0">
-              <a:solidFill>
-                <a:schemeClr val="bg1"/>
-              </a:solidFill>
-              <a:latin typeface="+mn-ea"/>
-            </a:endParaRPr>
           </a:p>
         </p:txBody>
       </p:sp>
